--- a/model_training_and_optimization/images/gradient_descent.pptx
+++ b/model_training_and_optimization/images/gradient_descent.pptx
@@ -197,7 +197,7 @@
           <a:p>
             <a:fld id="{DBD8D7F9-13FE-C94C-A436-0550711F41D5}" type="datetimeFigureOut">
               <a:rPr lang="en-US" smtClean="0"/>
-              <a:t>8/30/20</a:t>
+              <a:t>8/31/20</a:t>
             </a:fld>
             <a:endParaRPr lang="en-US"/>
           </a:p>
@@ -698,7 +698,7 @@
           <a:p>
             <a:fld id="{99B18AE6-0161-AE49-B928-219CEE582B06}" type="datetimeFigureOut">
               <a:rPr lang="en-US" smtClean="0"/>
-              <a:t>8/30/20</a:t>
+              <a:t>8/31/20</a:t>
             </a:fld>
             <a:endParaRPr lang="en-US"/>
           </a:p>
@@ -896,7 +896,7 @@
           <a:p>
             <a:fld id="{99B18AE6-0161-AE49-B928-219CEE582B06}" type="datetimeFigureOut">
               <a:rPr lang="en-US" smtClean="0"/>
-              <a:t>8/30/20</a:t>
+              <a:t>8/31/20</a:t>
             </a:fld>
             <a:endParaRPr lang="en-US"/>
           </a:p>
@@ -1104,7 +1104,7 @@
           <a:p>
             <a:fld id="{99B18AE6-0161-AE49-B928-219CEE582B06}" type="datetimeFigureOut">
               <a:rPr lang="en-US" smtClean="0"/>
-              <a:t>8/30/20</a:t>
+              <a:t>8/31/20</a:t>
             </a:fld>
             <a:endParaRPr lang="en-US"/>
           </a:p>
@@ -1302,7 +1302,7 @@
           <a:p>
             <a:fld id="{99B18AE6-0161-AE49-B928-219CEE582B06}" type="datetimeFigureOut">
               <a:rPr lang="en-US" smtClean="0"/>
-              <a:t>8/30/20</a:t>
+              <a:t>8/31/20</a:t>
             </a:fld>
             <a:endParaRPr lang="en-US"/>
           </a:p>
@@ -1577,7 +1577,7 @@
           <a:p>
             <a:fld id="{99B18AE6-0161-AE49-B928-219CEE582B06}" type="datetimeFigureOut">
               <a:rPr lang="en-US" smtClean="0"/>
-              <a:t>8/30/20</a:t>
+              <a:t>8/31/20</a:t>
             </a:fld>
             <a:endParaRPr lang="en-US"/>
           </a:p>
@@ -1842,7 +1842,7 @@
           <a:p>
             <a:fld id="{99B18AE6-0161-AE49-B928-219CEE582B06}" type="datetimeFigureOut">
               <a:rPr lang="en-US" smtClean="0"/>
-              <a:t>8/30/20</a:t>
+              <a:t>8/31/20</a:t>
             </a:fld>
             <a:endParaRPr lang="en-US"/>
           </a:p>
@@ -2254,7 +2254,7 @@
           <a:p>
             <a:fld id="{99B18AE6-0161-AE49-B928-219CEE582B06}" type="datetimeFigureOut">
               <a:rPr lang="en-US" smtClean="0"/>
-              <a:t>8/30/20</a:t>
+              <a:t>8/31/20</a:t>
             </a:fld>
             <a:endParaRPr lang="en-US"/>
           </a:p>
@@ -2395,7 +2395,7 @@
           <a:p>
             <a:fld id="{99B18AE6-0161-AE49-B928-219CEE582B06}" type="datetimeFigureOut">
               <a:rPr lang="en-US" smtClean="0"/>
-              <a:t>8/30/20</a:t>
+              <a:t>8/31/20</a:t>
             </a:fld>
             <a:endParaRPr lang="en-US"/>
           </a:p>
@@ -2508,7 +2508,7 @@
           <a:p>
             <a:fld id="{99B18AE6-0161-AE49-B928-219CEE582B06}" type="datetimeFigureOut">
               <a:rPr lang="en-US" smtClean="0"/>
-              <a:t>8/30/20</a:t>
+              <a:t>8/31/20</a:t>
             </a:fld>
             <a:endParaRPr lang="en-US"/>
           </a:p>
@@ -2819,7 +2819,7 @@
           <a:p>
             <a:fld id="{99B18AE6-0161-AE49-B928-219CEE582B06}" type="datetimeFigureOut">
               <a:rPr lang="en-US" smtClean="0"/>
-              <a:t>8/30/20</a:t>
+              <a:t>8/31/20</a:t>
             </a:fld>
             <a:endParaRPr lang="en-US"/>
           </a:p>
@@ -3107,7 +3107,7 @@
           <a:p>
             <a:fld id="{99B18AE6-0161-AE49-B928-219CEE582B06}" type="datetimeFigureOut">
               <a:rPr lang="en-US" smtClean="0"/>
-              <a:t>8/30/20</a:t>
+              <a:t>8/31/20</a:t>
             </a:fld>
             <a:endParaRPr lang="en-US"/>
           </a:p>
@@ -3348,7 +3348,7 @@
           <a:p>
             <a:fld id="{99B18AE6-0161-AE49-B928-219CEE582B06}" type="datetimeFigureOut">
               <a:rPr lang="en-US" smtClean="0"/>
-              <a:t>8/30/20</a:t>
+              <a:t>8/31/20</a:t>
             </a:fld>
             <a:endParaRPr lang="en-US"/>
           </a:p>
@@ -3974,7 +3974,7 @@
               <p:spPr>
                 <a:xfrm>
                   <a:off x="2118772" y="1083773"/>
-                  <a:ext cx="911468" cy="923330"/>
+                  <a:ext cx="911467" cy="646331"/>
                 </a:xfrm>
                 <a:prstGeom prst="rect">
                   <a:avLst/>
@@ -3993,19 +3993,13 @@
                     <a:t>6. Cost/</a:t>
                   </a:r>
                   <a:br>
-                    <a:rPr lang="en-US" dirty="0"/>
+                    <a:rPr lang="en-US"/>
                   </a:br>
                   <a:r>
-                    <a:rPr lang="en-US" dirty="0"/>
-                    <a:t>loss/</a:t>
+                    <a:rPr lang="en-US"/>
+                    <a:t>loss</a:t>
                   </a:r>
-                  <a:br>
-                    <a:rPr lang="en-US" dirty="0"/>
-                  </a:br>
-                  <a:r>
-                    <a:rPr lang="en-US" dirty="0"/>
-                    <a:t>error</a:t>
-                  </a:r>
+                  <a:endParaRPr lang="en-US" dirty="0"/>
                 </a:p>
               </p:txBody>
             </p:sp>
